--- a/presentation 1/slides.pptx
+++ b/presentation 1/slides.pptx
@@ -22515,18 +22515,14 @@
             </a:br>
             <a:r>
               <a:rPr lang="en-GB" sz="4400" dirty="0"/>
-              <a:t>&lt;Title of your Work&gt;</a:t>
+              <a:t>Rendering molecules for fun and profit</a:t>
             </a:r>
             <a:br>
               <a:rPr lang="en-GB" sz="4400" dirty="0"/>
             </a:br>
             <a:r>
-              <a:rPr lang="en-GB" sz="2800" b="0" dirty="0"/>
-              <a:t>&lt;</a:t>
-            </a:r>
-            <a:r>
-              <a:rPr lang="en-US" sz="2400" b="0" dirty="0"/>
-              <a:t> Exercise type&gt;</a:t>
+              <a:rPr lang="en-US" sz="2800" b="0" dirty="0"/>
+              <a:t>Implementation</a:t>
             </a:r>
             <a:endParaRPr lang="de-AT" b="0" dirty="0"/>
           </a:p>
@@ -22544,7 +22540,7 @@
         </p:nvSpPr>
         <p:spPr>
           <a:xfrm>
-            <a:off x="239248" y="4725938"/>
+            <a:off x="239247" y="4941961"/>
             <a:ext cx="11258940" cy="1080121"/>
           </a:xfrm>
         </p:spPr>
@@ -22554,16 +22550,27 @@
           <a:p>
             <a:pPr eaLnBrk="1" hangingPunct="1"/>
             <a:r>
+              <a:rPr lang="en-US" i="1" dirty="0" err="1"/>
+              <a:t>Yannic</a:t>
+            </a:r>
+            <a:r>
               <a:rPr lang="en-US" i="1" dirty="0"/>
-              <a:t>&lt;Names / </a:t>
+              <a:t> </a:t>
             </a:r>
             <a:r>
               <a:rPr lang="en-US" i="1" dirty="0" err="1"/>
-              <a:t>Matrikelnummer</a:t>
+              <a:t>Ellhotka</a:t>
             </a:r>
             <a:r>
               <a:rPr lang="en-US" i="1" dirty="0"/>
-              <a:t>&gt;</a:t>
+              <a:t> &amp; Simon Wesp</a:t>
+            </a:r>
+          </a:p>
+          <a:p>
+            <a:pPr eaLnBrk="1" hangingPunct="1"/>
+            <a:r>
+              <a:rPr lang="en-US" sz="1800" i="1" dirty="0"/>
+              <a:t>11776184 &amp; 11709457</a:t>
             </a:r>
           </a:p>
         </p:txBody>
@@ -22750,15 +22757,17 @@
               <a:defRPr/>
             </a:pPr>
             <a:r>
-              <a:rPr lang="de-AT"/>
-              <a:t>Enter your name here</a:t>
+              <a:rPr lang="de-AT" dirty="0"/>
+              <a:t>Yannic </a:t>
             </a:r>
-          </a:p>
-          <a:p>
-            <a:pPr>
-              <a:defRPr/>
-            </a:pPr>
-            <a:endParaRPr lang="de-AT" dirty="0"/>
+            <a:r>
+              <a:rPr lang="de-AT" dirty="0" err="1"/>
+              <a:t>Ellhotka</a:t>
+            </a:r>
+            <a:r>
+              <a:rPr lang="de-AT" dirty="0"/>
+              <a:t> &amp; Simon Wesp</a:t>
+            </a:r>
           </a:p>
         </p:txBody>
       </p:sp>
@@ -23059,15 +23068,17 @@
               <a:defRPr/>
             </a:pPr>
             <a:r>
-              <a:rPr lang="de-AT"/>
-              <a:t>Enter your name here</a:t>
+              <a:rPr lang="de-AT" dirty="0"/>
+              <a:t>Yannic </a:t>
             </a:r>
-          </a:p>
-          <a:p>
-            <a:pPr>
-              <a:defRPr/>
-            </a:pPr>
-            <a:endParaRPr lang="de-AT" dirty="0"/>
+            <a:r>
+              <a:rPr lang="de-AT" dirty="0" err="1"/>
+              <a:t>Ellhotka</a:t>
+            </a:r>
+            <a:r>
+              <a:rPr lang="de-AT" dirty="0"/>
+              <a:t> &amp; Simon Wesp</a:t>
+            </a:r>
           </a:p>
         </p:txBody>
       </p:sp>
@@ -23174,13 +23185,44 @@
             <a:endParaRPr lang="en-US" dirty="0"/>
           </a:p>
           <a:p>
+            <a:pPr lvl="1"/>
+            <a:r>
+              <a:rPr lang="en-US" dirty="0"/>
+              <a:t>Compute shader</a:t>
+            </a:r>
+          </a:p>
+          <a:p>
+            <a:pPr lvl="1"/>
+            <a:r>
+              <a:rPr lang="en-US" dirty="0"/>
+              <a:t>Classic mesh rasterization</a:t>
+            </a:r>
+          </a:p>
+          <a:p>
+            <a:pPr lvl="1"/>
+            <a:r>
+              <a:rPr lang="en-US" dirty="0"/>
+              <a:t>Raymarching</a:t>
+            </a:r>
+          </a:p>
+          <a:p>
+            <a:r>
+              <a:rPr lang="en-US" dirty="0"/>
+              <a:t>Typescript</a:t>
+            </a:r>
+          </a:p>
+          <a:p>
+            <a:r>
+              <a:rPr lang="en-US" dirty="0" err="1"/>
+              <a:t>SvelteKit</a:t>
+            </a:r>
+            <a:endParaRPr lang="en-US" dirty="0"/>
+          </a:p>
+          <a:p>
             <a:r>
               <a:rPr lang="en-US" dirty="0"/>
               <a:t>RCSB PDB</a:t>
             </a:r>
-          </a:p>
-          <a:p>
-            <a:endParaRPr lang="en-US" dirty="0"/>
           </a:p>
         </p:txBody>
       </p:sp>
@@ -23203,15 +23245,17 @@
               <a:defRPr/>
             </a:pPr>
             <a:r>
-              <a:rPr lang="de-AT"/>
-              <a:t>Enter your name here</a:t>
+              <a:rPr lang="de-AT" dirty="0"/>
+              <a:t>Yannic </a:t>
             </a:r>
-          </a:p>
-          <a:p>
-            <a:pPr>
-              <a:defRPr/>
-            </a:pPr>
-            <a:endParaRPr lang="de-AT" dirty="0"/>
+            <a:r>
+              <a:rPr lang="de-AT" dirty="0" err="1"/>
+              <a:t>Ellhotka</a:t>
+            </a:r>
+            <a:r>
+              <a:rPr lang="de-AT" dirty="0"/>
+              <a:t> &amp; Simon Wesp</a:t>
+            </a:r>
           </a:p>
         </p:txBody>
       </p:sp>
@@ -23284,15 +23328,21 @@
             <p:ph type="title"/>
           </p:nvPr>
         </p:nvSpPr>
-        <p:spPr/>
+        <p:spPr>
+          <a:xfrm>
+            <a:off x="264939" y="42082"/>
+            <a:ext cx="11305256" cy="757414"/>
+          </a:xfrm>
+        </p:spPr>
         <p:txBody>
           <a:bodyPr/>
           <a:lstStyle/>
           <a:p>
             <a:r>
-              <a:rPr lang="en-US" dirty="0"/>
-              <a:t>Ellhotka Mining Corporation</a:t>
+              <a:rPr lang="en-GB" sz="3600" dirty="0"/>
+              <a:t>Rendering molecules for fun and profit</a:t>
             </a:r>
+            <a:endParaRPr lang="en-US" dirty="0"/>
           </a:p>
         </p:txBody>
       </p:sp>
@@ -23316,7 +23366,29 @@
             </a:pPr>
             <a:r>
               <a:rPr lang="en-US" dirty="0"/>
-              <a:t>Authors</a:t>
+              <a:t>P. </a:t>
+            </a:r>
+            <a:r>
+              <a:rPr lang="en-US" dirty="0" err="1"/>
+              <a:t>Hermosilla</a:t>
+            </a:r>
+            <a:r>
+              <a:rPr lang="en-US" dirty="0"/>
+              <a:t> and S. Maisch and P.-P. Vázquez and T. </a:t>
+            </a:r>
+            <a:r>
+              <a:rPr lang="en-US" dirty="0" err="1"/>
+              <a:t>Ropinski</a:t>
+            </a:r>
+            <a:endParaRPr lang="en-US" dirty="0"/>
+          </a:p>
+          <a:p>
+            <a:pPr marL="0" indent="0">
+              <a:buNone/>
+            </a:pPr>
+            <a:r>
+              <a:rPr lang="en-US" sz="3600" b="1" dirty="0"/>
+              <a:t>Improving Perception of Molecular Surface Visualizations</a:t>
             </a:r>
           </a:p>
           <a:p>
@@ -23324,27 +23396,12 @@
               <a:buNone/>
             </a:pPr>
             <a:r>
-              <a:rPr lang="en-US" sz="3600" b="1" dirty="0"/>
-              <a:t>Title</a:t>
+              <a:rPr lang="en-US" dirty="0" err="1"/>
+              <a:t>Eurographics</a:t>
             </a:r>
-            <a:endParaRPr lang="en-US" b="1" dirty="0"/>
-          </a:p>
-          <a:p>
-            <a:pPr marL="0" indent="0">
-              <a:buNone/>
-            </a:pPr>
             <a:r>
               <a:rPr lang="en-US" dirty="0"/>
-              <a:t>Journal / Proceedings (+ Issue / Volume) </a:t>
-            </a:r>
-          </a:p>
-          <a:p>
-            <a:pPr marL="0" indent="0">
-              <a:buNone/>
-            </a:pPr>
-            <a:r>
-              <a:rPr lang="en-US" dirty="0"/>
-              <a:t>Year</a:t>
+              <a:t> Workshop on Visual Computing for Biology and Medicine, 2018</a:t>
             </a:r>
           </a:p>
           <a:p>
@@ -23374,15 +23431,17 @@
               <a:defRPr/>
             </a:pPr>
             <a:r>
-              <a:rPr lang="de-AT"/>
-              <a:t>Enter your name here</a:t>
+              <a:rPr lang="de-AT" dirty="0"/>
+              <a:t>Yannic </a:t>
             </a:r>
-          </a:p>
-          <a:p>
-            <a:pPr>
-              <a:defRPr/>
-            </a:pPr>
-            <a:endParaRPr lang="de-AT" dirty="0"/>
+            <a:r>
+              <a:rPr lang="de-AT" dirty="0" err="1"/>
+              <a:t>Ellhotka</a:t>
+            </a:r>
+            <a:r>
+              <a:rPr lang="de-AT" dirty="0"/>
+              <a:t> &amp; Simon Wesp</a:t>
+            </a:r>
           </a:p>
         </p:txBody>
       </p:sp>
@@ -23415,6 +23474,36 @@
           </a:p>
         </p:txBody>
       </p:sp>
+      <p:pic>
+        <p:nvPicPr>
+          <p:cNvPr id="7" name="Picture 6">
+            <a:extLst>
+              <a:ext uri="{FF2B5EF4-FFF2-40B4-BE49-F238E27FC236}">
+                <a16:creationId xmlns:a16="http://schemas.microsoft.com/office/drawing/2014/main" id="{B5B87647-8D0A-571A-E4FE-70FB8BE4AC45}"/>
+              </a:ext>
+            </a:extLst>
+          </p:cNvPr>
+          <p:cNvPicPr>
+            <a:picLocks noChangeAspect="1"/>
+          </p:cNvPicPr>
+          <p:nvPr/>
+        </p:nvPicPr>
+        <p:blipFill>
+          <a:blip r:embed="rId3"/>
+          <a:stretch>
+            <a:fillRect/>
+          </a:stretch>
+        </p:blipFill>
+        <p:spPr>
+          <a:xfrm>
+            <a:off x="998506" y="3285778"/>
+            <a:ext cx="9838122" cy="2871945"/>
+          </a:xfrm>
+          <a:prstGeom prst="rect">
+            <a:avLst/>
+          </a:prstGeom>
+        </p:spPr>
+      </p:pic>
     </p:spTree>
     <p:extLst>
       <p:ext uri="{BB962C8B-B14F-4D97-AF65-F5344CB8AC3E}">
